--- a/ppt 16-9/1560.更新我的灵.pptx
+++ b/ppt 16-9/1560.更新我的灵.pptx
@@ -129,7 +129,7 @@
           <p:cNvPr id="2" name="标题 1">
             <a:extLst>
               <a:ext uri="{FF2B5EF4-FFF2-40B4-BE49-F238E27FC236}">
-                <a16:creationId xmlns:a16="http://schemas.microsoft.com/office/drawing/2014/main" id="{78B36DE3-AB06-6B07-2016-506519935760}"/>
+                <a16:creationId xmlns:a16="http://schemas.microsoft.com/office/drawing/2014/main" id="{5441FA49-E226-44B1-4F58-53153D49FF8D}"/>
               </a:ext>
             </a:extLst>
           </p:cNvPr>
@@ -166,7 +166,7 @@
           <p:cNvPr id="3" name="副标题 2">
             <a:extLst>
               <a:ext uri="{FF2B5EF4-FFF2-40B4-BE49-F238E27FC236}">
-                <a16:creationId xmlns:a16="http://schemas.microsoft.com/office/drawing/2014/main" id="{AB4C5D30-8450-4CE6-8272-F3AE46CF7EF9}"/>
+                <a16:creationId xmlns:a16="http://schemas.microsoft.com/office/drawing/2014/main" id="{D275612E-AF87-7F93-3785-ACFC7F9DB70A}"/>
               </a:ext>
             </a:extLst>
           </p:cNvPr>
@@ -236,7 +236,7 @@
           <p:cNvPr id="4" name="日期占位符 3">
             <a:extLst>
               <a:ext uri="{FF2B5EF4-FFF2-40B4-BE49-F238E27FC236}">
-                <a16:creationId xmlns:a16="http://schemas.microsoft.com/office/drawing/2014/main" id="{8CDE4013-F1E8-E90D-BFA5-65DF81B20DC7}"/>
+                <a16:creationId xmlns:a16="http://schemas.microsoft.com/office/drawing/2014/main" id="{F71B7F18-01D4-9F73-B919-5E2C7106A8E6}"/>
               </a:ext>
             </a:extLst>
           </p:cNvPr>
@@ -252,7 +252,7 @@
           <a:bodyPr/>
           <a:lstStyle/>
           <a:p>
-            <a:fld id="{E4B04248-3C9C-40AE-BE8D-25F0D89501B1}" type="datetimeFigureOut">
+            <a:fld id="{F62E6B71-786E-495B-8CDF-5160944E0BD5}" type="datetimeFigureOut">
               <a:rPr lang="zh-CN" altLang="en-US" smtClean="0"/>
               <a:t>2024/3/10</a:t>
             </a:fld>
@@ -265,7 +265,7 @@
           <p:cNvPr id="5" name="页脚占位符 4">
             <a:extLst>
               <a:ext uri="{FF2B5EF4-FFF2-40B4-BE49-F238E27FC236}">
-                <a16:creationId xmlns:a16="http://schemas.microsoft.com/office/drawing/2014/main" id="{2F9E72E7-E60D-1AD4-0253-D373FBF55B35}"/>
+                <a16:creationId xmlns:a16="http://schemas.microsoft.com/office/drawing/2014/main" id="{BB0F9EBB-9B79-70D3-3337-4FBB339FA636}"/>
               </a:ext>
             </a:extLst>
           </p:cNvPr>
@@ -290,7 +290,7 @@
           <p:cNvPr id="6" name="灯片编号占位符 5">
             <a:extLst>
               <a:ext uri="{FF2B5EF4-FFF2-40B4-BE49-F238E27FC236}">
-                <a16:creationId xmlns:a16="http://schemas.microsoft.com/office/drawing/2014/main" id="{60DE89AF-9438-C74C-372F-D301002D246D}"/>
+                <a16:creationId xmlns:a16="http://schemas.microsoft.com/office/drawing/2014/main" id="{E67ECBD0-388B-3627-E49E-FDB2D2650746}"/>
               </a:ext>
             </a:extLst>
           </p:cNvPr>
@@ -306,7 +306,7 @@
           <a:bodyPr/>
           <a:lstStyle/>
           <a:p>
-            <a:fld id="{CC2899AF-EFE3-481A-B852-925F758CC5AA}" type="slidenum">
+            <a:fld id="{5E588050-2BE0-43AF-95BC-D1077849EE47}" type="slidenum">
               <a:rPr lang="zh-CN" altLang="en-US" smtClean="0"/>
               <a:t>‹#›</a:t>
             </a:fld>
@@ -317,7 +317,7 @@
     </p:spTree>
     <p:extLst>
       <p:ext uri="{BB962C8B-B14F-4D97-AF65-F5344CB8AC3E}">
-        <p14:creationId xmlns:p14="http://schemas.microsoft.com/office/powerpoint/2010/main" val="631116141"/>
+        <p14:creationId xmlns:p14="http://schemas.microsoft.com/office/powerpoint/2010/main" val="931660017"/>
       </p:ext>
     </p:extLst>
   </p:cSld>
@@ -349,7 +349,7 @@
           <p:cNvPr id="2" name="标题 1">
             <a:extLst>
               <a:ext uri="{FF2B5EF4-FFF2-40B4-BE49-F238E27FC236}">
-                <a16:creationId xmlns:a16="http://schemas.microsoft.com/office/drawing/2014/main" id="{1FE5E265-BE9F-5D15-90F3-5EDE340538A9}"/>
+                <a16:creationId xmlns:a16="http://schemas.microsoft.com/office/drawing/2014/main" id="{17FC24CB-8594-0615-F624-6BDF82B1F3DE}"/>
               </a:ext>
             </a:extLst>
           </p:cNvPr>
@@ -377,7 +377,7 @@
           <p:cNvPr id="3" name="竖排文字占位符 2">
             <a:extLst>
               <a:ext uri="{FF2B5EF4-FFF2-40B4-BE49-F238E27FC236}">
-                <a16:creationId xmlns:a16="http://schemas.microsoft.com/office/drawing/2014/main" id="{26BF6E33-0DBF-C2D3-79DC-5298A72C595B}"/>
+                <a16:creationId xmlns:a16="http://schemas.microsoft.com/office/drawing/2014/main" id="{D0CA846C-6BC4-79CA-2B57-1F2D12A7A74A}"/>
               </a:ext>
             </a:extLst>
           </p:cNvPr>
@@ -434,7 +434,7 @@
           <p:cNvPr id="4" name="日期占位符 3">
             <a:extLst>
               <a:ext uri="{FF2B5EF4-FFF2-40B4-BE49-F238E27FC236}">
-                <a16:creationId xmlns:a16="http://schemas.microsoft.com/office/drawing/2014/main" id="{FB5218AA-1588-44B9-2A43-F948193051E7}"/>
+                <a16:creationId xmlns:a16="http://schemas.microsoft.com/office/drawing/2014/main" id="{D8873387-45D4-9511-37AB-8FFB6C568949}"/>
               </a:ext>
             </a:extLst>
           </p:cNvPr>
@@ -450,7 +450,7 @@
           <a:bodyPr/>
           <a:lstStyle/>
           <a:p>
-            <a:fld id="{E4B04248-3C9C-40AE-BE8D-25F0D89501B1}" type="datetimeFigureOut">
+            <a:fld id="{F62E6B71-786E-495B-8CDF-5160944E0BD5}" type="datetimeFigureOut">
               <a:rPr lang="zh-CN" altLang="en-US" smtClean="0"/>
               <a:t>2024/3/10</a:t>
             </a:fld>
@@ -463,7 +463,7 @@
           <p:cNvPr id="5" name="页脚占位符 4">
             <a:extLst>
               <a:ext uri="{FF2B5EF4-FFF2-40B4-BE49-F238E27FC236}">
-                <a16:creationId xmlns:a16="http://schemas.microsoft.com/office/drawing/2014/main" id="{716202DA-1E7E-FA74-6024-DD931AA1B08C}"/>
+                <a16:creationId xmlns:a16="http://schemas.microsoft.com/office/drawing/2014/main" id="{1EEB1653-2049-4C84-2134-47C25C5668AC}"/>
               </a:ext>
             </a:extLst>
           </p:cNvPr>
@@ -488,7 +488,7 @@
           <p:cNvPr id="6" name="灯片编号占位符 5">
             <a:extLst>
               <a:ext uri="{FF2B5EF4-FFF2-40B4-BE49-F238E27FC236}">
-                <a16:creationId xmlns:a16="http://schemas.microsoft.com/office/drawing/2014/main" id="{9F644537-B90F-C620-586A-330E8E5769AC}"/>
+                <a16:creationId xmlns:a16="http://schemas.microsoft.com/office/drawing/2014/main" id="{04D5F37C-5D7C-44F5-4F46-ED2D3C51E82D}"/>
               </a:ext>
             </a:extLst>
           </p:cNvPr>
@@ -504,7 +504,7 @@
           <a:bodyPr/>
           <a:lstStyle/>
           <a:p>
-            <a:fld id="{CC2899AF-EFE3-481A-B852-925F758CC5AA}" type="slidenum">
+            <a:fld id="{5E588050-2BE0-43AF-95BC-D1077849EE47}" type="slidenum">
               <a:rPr lang="zh-CN" altLang="en-US" smtClean="0"/>
               <a:t>‹#›</a:t>
             </a:fld>
@@ -515,7 +515,7 @@
     </p:spTree>
     <p:extLst>
       <p:ext uri="{BB962C8B-B14F-4D97-AF65-F5344CB8AC3E}">
-        <p14:creationId xmlns:p14="http://schemas.microsoft.com/office/powerpoint/2010/main" val="2555624756"/>
+        <p14:creationId xmlns:p14="http://schemas.microsoft.com/office/powerpoint/2010/main" val="4189688660"/>
       </p:ext>
     </p:extLst>
   </p:cSld>
@@ -547,7 +547,7 @@
           <p:cNvPr id="2" name="竖排标题 1">
             <a:extLst>
               <a:ext uri="{FF2B5EF4-FFF2-40B4-BE49-F238E27FC236}">
-                <a16:creationId xmlns:a16="http://schemas.microsoft.com/office/drawing/2014/main" id="{0AB16F08-FDA0-7B2F-E008-E69C340D68E2}"/>
+                <a16:creationId xmlns:a16="http://schemas.microsoft.com/office/drawing/2014/main" id="{5483F1D5-D4B2-0C14-C4E4-741BE3647B9C}"/>
               </a:ext>
             </a:extLst>
           </p:cNvPr>
@@ -580,7 +580,7 @@
           <p:cNvPr id="3" name="竖排文字占位符 2">
             <a:extLst>
               <a:ext uri="{FF2B5EF4-FFF2-40B4-BE49-F238E27FC236}">
-                <a16:creationId xmlns:a16="http://schemas.microsoft.com/office/drawing/2014/main" id="{7BF52F0A-1CC8-E809-F76E-40C838F87F2C}"/>
+                <a16:creationId xmlns:a16="http://schemas.microsoft.com/office/drawing/2014/main" id="{9E0932F2-2E07-31B6-24C5-E5931581274B}"/>
               </a:ext>
             </a:extLst>
           </p:cNvPr>
@@ -642,7 +642,7 @@
           <p:cNvPr id="4" name="日期占位符 3">
             <a:extLst>
               <a:ext uri="{FF2B5EF4-FFF2-40B4-BE49-F238E27FC236}">
-                <a16:creationId xmlns:a16="http://schemas.microsoft.com/office/drawing/2014/main" id="{829E3D73-DEE2-3015-A77B-5A17920F643C}"/>
+                <a16:creationId xmlns:a16="http://schemas.microsoft.com/office/drawing/2014/main" id="{57DC312E-0013-F7B0-C558-30EC8DBA28F9}"/>
               </a:ext>
             </a:extLst>
           </p:cNvPr>
@@ -658,7 +658,7 @@
           <a:bodyPr/>
           <a:lstStyle/>
           <a:p>
-            <a:fld id="{E4B04248-3C9C-40AE-BE8D-25F0D89501B1}" type="datetimeFigureOut">
+            <a:fld id="{F62E6B71-786E-495B-8CDF-5160944E0BD5}" type="datetimeFigureOut">
               <a:rPr lang="zh-CN" altLang="en-US" smtClean="0"/>
               <a:t>2024/3/10</a:t>
             </a:fld>
@@ -671,7 +671,7 @@
           <p:cNvPr id="5" name="页脚占位符 4">
             <a:extLst>
               <a:ext uri="{FF2B5EF4-FFF2-40B4-BE49-F238E27FC236}">
-                <a16:creationId xmlns:a16="http://schemas.microsoft.com/office/drawing/2014/main" id="{C6828768-524A-F9CE-3EC6-CD7DB676FE62}"/>
+                <a16:creationId xmlns:a16="http://schemas.microsoft.com/office/drawing/2014/main" id="{35071791-7E61-CB92-CC01-DBD8777D5094}"/>
               </a:ext>
             </a:extLst>
           </p:cNvPr>
@@ -696,7 +696,7 @@
           <p:cNvPr id="6" name="灯片编号占位符 5">
             <a:extLst>
               <a:ext uri="{FF2B5EF4-FFF2-40B4-BE49-F238E27FC236}">
-                <a16:creationId xmlns:a16="http://schemas.microsoft.com/office/drawing/2014/main" id="{1328FA98-30AD-936D-EAEF-92502F53DC45}"/>
+                <a16:creationId xmlns:a16="http://schemas.microsoft.com/office/drawing/2014/main" id="{5CA1C35C-A4A4-5B49-2093-659BA79A9F1D}"/>
               </a:ext>
             </a:extLst>
           </p:cNvPr>
@@ -712,7 +712,7 @@
           <a:bodyPr/>
           <a:lstStyle/>
           <a:p>
-            <a:fld id="{CC2899AF-EFE3-481A-B852-925F758CC5AA}" type="slidenum">
+            <a:fld id="{5E588050-2BE0-43AF-95BC-D1077849EE47}" type="slidenum">
               <a:rPr lang="zh-CN" altLang="en-US" smtClean="0"/>
               <a:t>‹#›</a:t>
             </a:fld>
@@ -723,7 +723,7 @@
     </p:spTree>
     <p:extLst>
       <p:ext uri="{BB962C8B-B14F-4D97-AF65-F5344CB8AC3E}">
-        <p14:creationId xmlns:p14="http://schemas.microsoft.com/office/powerpoint/2010/main" val="2629828858"/>
+        <p14:creationId xmlns:p14="http://schemas.microsoft.com/office/powerpoint/2010/main" val="1266455773"/>
       </p:ext>
     </p:extLst>
   </p:cSld>
@@ -755,7 +755,7 @@
           <p:cNvPr id="2" name="标题 1">
             <a:extLst>
               <a:ext uri="{FF2B5EF4-FFF2-40B4-BE49-F238E27FC236}">
-                <a16:creationId xmlns:a16="http://schemas.microsoft.com/office/drawing/2014/main" id="{183846B1-E930-9F7A-22FE-80A70DECD2E2}"/>
+                <a16:creationId xmlns:a16="http://schemas.microsoft.com/office/drawing/2014/main" id="{8AA369D0-B664-F570-0282-4756233667F0}"/>
               </a:ext>
             </a:extLst>
           </p:cNvPr>
@@ -783,7 +783,7 @@
           <p:cNvPr id="3" name="内容占位符 2">
             <a:extLst>
               <a:ext uri="{FF2B5EF4-FFF2-40B4-BE49-F238E27FC236}">
-                <a16:creationId xmlns:a16="http://schemas.microsoft.com/office/drawing/2014/main" id="{0E1CF28A-D1E8-AF6A-0C6A-8618EB146A06}"/>
+                <a16:creationId xmlns:a16="http://schemas.microsoft.com/office/drawing/2014/main" id="{760D77E6-5447-0256-962C-268917243100}"/>
               </a:ext>
             </a:extLst>
           </p:cNvPr>
@@ -840,7 +840,7 @@
           <p:cNvPr id="4" name="日期占位符 3">
             <a:extLst>
               <a:ext uri="{FF2B5EF4-FFF2-40B4-BE49-F238E27FC236}">
-                <a16:creationId xmlns:a16="http://schemas.microsoft.com/office/drawing/2014/main" id="{B30922AB-2767-095A-6ED5-DF3F494C275B}"/>
+                <a16:creationId xmlns:a16="http://schemas.microsoft.com/office/drawing/2014/main" id="{BF56C36F-B499-E514-5F95-BC6363AF2124}"/>
               </a:ext>
             </a:extLst>
           </p:cNvPr>
@@ -856,7 +856,7 @@
           <a:bodyPr/>
           <a:lstStyle/>
           <a:p>
-            <a:fld id="{E4B04248-3C9C-40AE-BE8D-25F0D89501B1}" type="datetimeFigureOut">
+            <a:fld id="{F62E6B71-786E-495B-8CDF-5160944E0BD5}" type="datetimeFigureOut">
               <a:rPr lang="zh-CN" altLang="en-US" smtClean="0"/>
               <a:t>2024/3/10</a:t>
             </a:fld>
@@ -869,7 +869,7 @@
           <p:cNvPr id="5" name="页脚占位符 4">
             <a:extLst>
               <a:ext uri="{FF2B5EF4-FFF2-40B4-BE49-F238E27FC236}">
-                <a16:creationId xmlns:a16="http://schemas.microsoft.com/office/drawing/2014/main" id="{56913026-48D1-85F6-D7B4-4DBECA0B40D6}"/>
+                <a16:creationId xmlns:a16="http://schemas.microsoft.com/office/drawing/2014/main" id="{F22D1AE2-E81A-B6BD-6F15-93FED23ADE83}"/>
               </a:ext>
             </a:extLst>
           </p:cNvPr>
@@ -894,7 +894,7 @@
           <p:cNvPr id="6" name="灯片编号占位符 5">
             <a:extLst>
               <a:ext uri="{FF2B5EF4-FFF2-40B4-BE49-F238E27FC236}">
-                <a16:creationId xmlns:a16="http://schemas.microsoft.com/office/drawing/2014/main" id="{F36CAB5E-0AFD-B245-1B82-8E4BD786C444}"/>
+                <a16:creationId xmlns:a16="http://schemas.microsoft.com/office/drawing/2014/main" id="{F192EF44-DD0E-DAF3-3731-D9A1EF15CAE3}"/>
               </a:ext>
             </a:extLst>
           </p:cNvPr>
@@ -910,7 +910,7 @@
           <a:bodyPr/>
           <a:lstStyle/>
           <a:p>
-            <a:fld id="{CC2899AF-EFE3-481A-B852-925F758CC5AA}" type="slidenum">
+            <a:fld id="{5E588050-2BE0-43AF-95BC-D1077849EE47}" type="slidenum">
               <a:rPr lang="zh-CN" altLang="en-US" smtClean="0"/>
               <a:t>‹#›</a:t>
             </a:fld>
@@ -921,7 +921,7 @@
     </p:spTree>
     <p:extLst>
       <p:ext uri="{BB962C8B-B14F-4D97-AF65-F5344CB8AC3E}">
-        <p14:creationId xmlns:p14="http://schemas.microsoft.com/office/powerpoint/2010/main" val="3123066470"/>
+        <p14:creationId xmlns:p14="http://schemas.microsoft.com/office/powerpoint/2010/main" val="3366524619"/>
       </p:ext>
     </p:extLst>
   </p:cSld>
@@ -953,7 +953,7 @@
           <p:cNvPr id="2" name="标题 1">
             <a:extLst>
               <a:ext uri="{FF2B5EF4-FFF2-40B4-BE49-F238E27FC236}">
-                <a16:creationId xmlns:a16="http://schemas.microsoft.com/office/drawing/2014/main" id="{611A68AA-ED6F-0B8A-3657-B23FE5DDAF1C}"/>
+                <a16:creationId xmlns:a16="http://schemas.microsoft.com/office/drawing/2014/main" id="{21306AE2-1BC3-ABFD-B015-1C0494A6CA53}"/>
               </a:ext>
             </a:extLst>
           </p:cNvPr>
@@ -990,7 +990,7 @@
           <p:cNvPr id="3" name="文本占位符 2">
             <a:extLst>
               <a:ext uri="{FF2B5EF4-FFF2-40B4-BE49-F238E27FC236}">
-                <a16:creationId xmlns:a16="http://schemas.microsoft.com/office/drawing/2014/main" id="{2F8C9907-026A-90E4-F7CF-F5503B3B42BE}"/>
+                <a16:creationId xmlns:a16="http://schemas.microsoft.com/office/drawing/2014/main" id="{B46A055F-DA1B-83ED-D114-911DA5349B2F}"/>
               </a:ext>
             </a:extLst>
           </p:cNvPr>
@@ -1115,7 +1115,7 @@
           <p:cNvPr id="4" name="日期占位符 3">
             <a:extLst>
               <a:ext uri="{FF2B5EF4-FFF2-40B4-BE49-F238E27FC236}">
-                <a16:creationId xmlns:a16="http://schemas.microsoft.com/office/drawing/2014/main" id="{A00EC213-9D7B-3BF8-4598-3F51562BBD4F}"/>
+                <a16:creationId xmlns:a16="http://schemas.microsoft.com/office/drawing/2014/main" id="{59ED3F87-55D8-6FCA-3942-AE0E4E55CCD3}"/>
               </a:ext>
             </a:extLst>
           </p:cNvPr>
@@ -1131,7 +1131,7 @@
           <a:bodyPr/>
           <a:lstStyle/>
           <a:p>
-            <a:fld id="{E4B04248-3C9C-40AE-BE8D-25F0D89501B1}" type="datetimeFigureOut">
+            <a:fld id="{F62E6B71-786E-495B-8CDF-5160944E0BD5}" type="datetimeFigureOut">
               <a:rPr lang="zh-CN" altLang="en-US" smtClean="0"/>
               <a:t>2024/3/10</a:t>
             </a:fld>
@@ -1144,7 +1144,7 @@
           <p:cNvPr id="5" name="页脚占位符 4">
             <a:extLst>
               <a:ext uri="{FF2B5EF4-FFF2-40B4-BE49-F238E27FC236}">
-                <a16:creationId xmlns:a16="http://schemas.microsoft.com/office/drawing/2014/main" id="{3DD0394B-573D-8242-5E5A-3F804443649C}"/>
+                <a16:creationId xmlns:a16="http://schemas.microsoft.com/office/drawing/2014/main" id="{CCF7071F-B85E-A256-9241-7AB9A14185EE}"/>
               </a:ext>
             </a:extLst>
           </p:cNvPr>
@@ -1169,7 +1169,7 @@
           <p:cNvPr id="6" name="灯片编号占位符 5">
             <a:extLst>
               <a:ext uri="{FF2B5EF4-FFF2-40B4-BE49-F238E27FC236}">
-                <a16:creationId xmlns:a16="http://schemas.microsoft.com/office/drawing/2014/main" id="{849331B8-9503-86C9-0F09-4EBF85487C10}"/>
+                <a16:creationId xmlns:a16="http://schemas.microsoft.com/office/drawing/2014/main" id="{9D491D6A-66CE-0326-4A55-895942B9D7B9}"/>
               </a:ext>
             </a:extLst>
           </p:cNvPr>
@@ -1185,7 +1185,7 @@
           <a:bodyPr/>
           <a:lstStyle/>
           <a:p>
-            <a:fld id="{CC2899AF-EFE3-481A-B852-925F758CC5AA}" type="slidenum">
+            <a:fld id="{5E588050-2BE0-43AF-95BC-D1077849EE47}" type="slidenum">
               <a:rPr lang="zh-CN" altLang="en-US" smtClean="0"/>
               <a:t>‹#›</a:t>
             </a:fld>
@@ -1196,7 +1196,7 @@
     </p:spTree>
     <p:extLst>
       <p:ext uri="{BB962C8B-B14F-4D97-AF65-F5344CB8AC3E}">
-        <p14:creationId xmlns:p14="http://schemas.microsoft.com/office/powerpoint/2010/main" val="2626625105"/>
+        <p14:creationId xmlns:p14="http://schemas.microsoft.com/office/powerpoint/2010/main" val="3234684367"/>
       </p:ext>
     </p:extLst>
   </p:cSld>
@@ -1228,7 +1228,7 @@
           <p:cNvPr id="2" name="标题 1">
             <a:extLst>
               <a:ext uri="{FF2B5EF4-FFF2-40B4-BE49-F238E27FC236}">
-                <a16:creationId xmlns:a16="http://schemas.microsoft.com/office/drawing/2014/main" id="{688B1F6B-1C6E-8C54-0430-978D978336EA}"/>
+                <a16:creationId xmlns:a16="http://schemas.microsoft.com/office/drawing/2014/main" id="{7904E221-C5E7-E9A2-13D0-24028B769BFB}"/>
               </a:ext>
             </a:extLst>
           </p:cNvPr>
@@ -1256,7 +1256,7 @@
           <p:cNvPr id="3" name="内容占位符 2">
             <a:extLst>
               <a:ext uri="{FF2B5EF4-FFF2-40B4-BE49-F238E27FC236}">
-                <a16:creationId xmlns:a16="http://schemas.microsoft.com/office/drawing/2014/main" id="{C39BB3EC-1E5A-DCB6-8CE9-8F75BAA97B14}"/>
+                <a16:creationId xmlns:a16="http://schemas.microsoft.com/office/drawing/2014/main" id="{7EF13194-4629-F845-BC91-9A0CC8981C9B}"/>
               </a:ext>
             </a:extLst>
           </p:cNvPr>
@@ -1318,7 +1318,7 @@
           <p:cNvPr id="4" name="内容占位符 3">
             <a:extLst>
               <a:ext uri="{FF2B5EF4-FFF2-40B4-BE49-F238E27FC236}">
-                <a16:creationId xmlns:a16="http://schemas.microsoft.com/office/drawing/2014/main" id="{1C39D83D-F70A-19B2-3DA5-A9F9738EA350}"/>
+                <a16:creationId xmlns:a16="http://schemas.microsoft.com/office/drawing/2014/main" id="{BE57588C-84E0-4633-B2E1-37ED7A8CD1AF}"/>
               </a:ext>
             </a:extLst>
           </p:cNvPr>
@@ -1380,7 +1380,7 @@
           <p:cNvPr id="5" name="日期占位符 4">
             <a:extLst>
               <a:ext uri="{FF2B5EF4-FFF2-40B4-BE49-F238E27FC236}">
-                <a16:creationId xmlns:a16="http://schemas.microsoft.com/office/drawing/2014/main" id="{977D1652-6E30-44BA-00A7-85381B37FCB7}"/>
+                <a16:creationId xmlns:a16="http://schemas.microsoft.com/office/drawing/2014/main" id="{CA1368BA-890D-981B-6562-CDAD02B9D76A}"/>
               </a:ext>
             </a:extLst>
           </p:cNvPr>
@@ -1396,7 +1396,7 @@
           <a:bodyPr/>
           <a:lstStyle/>
           <a:p>
-            <a:fld id="{E4B04248-3C9C-40AE-BE8D-25F0D89501B1}" type="datetimeFigureOut">
+            <a:fld id="{F62E6B71-786E-495B-8CDF-5160944E0BD5}" type="datetimeFigureOut">
               <a:rPr lang="zh-CN" altLang="en-US" smtClean="0"/>
               <a:t>2024/3/10</a:t>
             </a:fld>
@@ -1409,7 +1409,7 @@
           <p:cNvPr id="6" name="页脚占位符 5">
             <a:extLst>
               <a:ext uri="{FF2B5EF4-FFF2-40B4-BE49-F238E27FC236}">
-                <a16:creationId xmlns:a16="http://schemas.microsoft.com/office/drawing/2014/main" id="{054524BC-CF7E-B5B9-3BA1-AC44A2C6CD46}"/>
+                <a16:creationId xmlns:a16="http://schemas.microsoft.com/office/drawing/2014/main" id="{E7A5B6CE-1C17-DAE0-7E59-3516CD2DA7A4}"/>
               </a:ext>
             </a:extLst>
           </p:cNvPr>
@@ -1434,7 +1434,7 @@
           <p:cNvPr id="7" name="灯片编号占位符 6">
             <a:extLst>
               <a:ext uri="{FF2B5EF4-FFF2-40B4-BE49-F238E27FC236}">
-                <a16:creationId xmlns:a16="http://schemas.microsoft.com/office/drawing/2014/main" id="{CEB15874-73E4-C836-77C9-09220E9D33BD}"/>
+                <a16:creationId xmlns:a16="http://schemas.microsoft.com/office/drawing/2014/main" id="{425C5817-E1DB-213F-F69F-B5DB5517DFE1}"/>
               </a:ext>
             </a:extLst>
           </p:cNvPr>
@@ -1450,7 +1450,7 @@
           <a:bodyPr/>
           <a:lstStyle/>
           <a:p>
-            <a:fld id="{CC2899AF-EFE3-481A-B852-925F758CC5AA}" type="slidenum">
+            <a:fld id="{5E588050-2BE0-43AF-95BC-D1077849EE47}" type="slidenum">
               <a:rPr lang="zh-CN" altLang="en-US" smtClean="0"/>
               <a:t>‹#›</a:t>
             </a:fld>
@@ -1461,7 +1461,7 @@
     </p:spTree>
     <p:extLst>
       <p:ext uri="{BB962C8B-B14F-4D97-AF65-F5344CB8AC3E}">
-        <p14:creationId xmlns:p14="http://schemas.microsoft.com/office/powerpoint/2010/main" val="3986192493"/>
+        <p14:creationId xmlns:p14="http://schemas.microsoft.com/office/powerpoint/2010/main" val="1088512522"/>
       </p:ext>
     </p:extLst>
   </p:cSld>
@@ -1493,7 +1493,7 @@
           <p:cNvPr id="2" name="标题 1">
             <a:extLst>
               <a:ext uri="{FF2B5EF4-FFF2-40B4-BE49-F238E27FC236}">
-                <a16:creationId xmlns:a16="http://schemas.microsoft.com/office/drawing/2014/main" id="{C13C3E81-5D51-85C2-6F46-4DE92CF1C706}"/>
+                <a16:creationId xmlns:a16="http://schemas.microsoft.com/office/drawing/2014/main" id="{E0F0F107-969A-4C2C-0DFD-AD80D291880D}"/>
               </a:ext>
             </a:extLst>
           </p:cNvPr>
@@ -1526,7 +1526,7 @@
           <p:cNvPr id="3" name="文本占位符 2">
             <a:extLst>
               <a:ext uri="{FF2B5EF4-FFF2-40B4-BE49-F238E27FC236}">
-                <a16:creationId xmlns:a16="http://schemas.microsoft.com/office/drawing/2014/main" id="{36747151-379C-04BA-E1E1-EF2473DB3448}"/>
+                <a16:creationId xmlns:a16="http://schemas.microsoft.com/office/drawing/2014/main" id="{6D1E83C4-9FD5-EA2E-97B6-25D5BDF86E05}"/>
               </a:ext>
             </a:extLst>
           </p:cNvPr>
@@ -1597,7 +1597,7 @@
           <p:cNvPr id="4" name="内容占位符 3">
             <a:extLst>
               <a:ext uri="{FF2B5EF4-FFF2-40B4-BE49-F238E27FC236}">
-                <a16:creationId xmlns:a16="http://schemas.microsoft.com/office/drawing/2014/main" id="{799D5343-9866-5767-655C-50BC9872826C}"/>
+                <a16:creationId xmlns:a16="http://schemas.microsoft.com/office/drawing/2014/main" id="{418EBCA8-A29A-E57F-5A94-92CFE887DE4A}"/>
               </a:ext>
             </a:extLst>
           </p:cNvPr>
@@ -1659,7 +1659,7 @@
           <p:cNvPr id="5" name="文本占位符 4">
             <a:extLst>
               <a:ext uri="{FF2B5EF4-FFF2-40B4-BE49-F238E27FC236}">
-                <a16:creationId xmlns:a16="http://schemas.microsoft.com/office/drawing/2014/main" id="{E1BADC9D-2951-A8B1-89C2-8639EF81258B}"/>
+                <a16:creationId xmlns:a16="http://schemas.microsoft.com/office/drawing/2014/main" id="{6023FC7B-743E-79C9-3ACB-94CB9EA7991E}"/>
               </a:ext>
             </a:extLst>
           </p:cNvPr>
@@ -1730,7 +1730,7 @@
           <p:cNvPr id="6" name="内容占位符 5">
             <a:extLst>
               <a:ext uri="{FF2B5EF4-FFF2-40B4-BE49-F238E27FC236}">
-                <a16:creationId xmlns:a16="http://schemas.microsoft.com/office/drawing/2014/main" id="{3A4BF914-47B4-23A4-47FF-BC907B6723A4}"/>
+                <a16:creationId xmlns:a16="http://schemas.microsoft.com/office/drawing/2014/main" id="{F9655674-1CB9-CB57-E02B-EA4F5D032EF0}"/>
               </a:ext>
             </a:extLst>
           </p:cNvPr>
@@ -1792,7 +1792,7 @@
           <p:cNvPr id="7" name="日期占位符 6">
             <a:extLst>
               <a:ext uri="{FF2B5EF4-FFF2-40B4-BE49-F238E27FC236}">
-                <a16:creationId xmlns:a16="http://schemas.microsoft.com/office/drawing/2014/main" id="{1368F7CD-B3DF-DC72-941C-D5FB1DE50AA7}"/>
+                <a16:creationId xmlns:a16="http://schemas.microsoft.com/office/drawing/2014/main" id="{3004E77D-A939-4AB3-8F00-B8A986EA3990}"/>
               </a:ext>
             </a:extLst>
           </p:cNvPr>
@@ -1808,7 +1808,7 @@
           <a:bodyPr/>
           <a:lstStyle/>
           <a:p>
-            <a:fld id="{E4B04248-3C9C-40AE-BE8D-25F0D89501B1}" type="datetimeFigureOut">
+            <a:fld id="{F62E6B71-786E-495B-8CDF-5160944E0BD5}" type="datetimeFigureOut">
               <a:rPr lang="zh-CN" altLang="en-US" smtClean="0"/>
               <a:t>2024/3/10</a:t>
             </a:fld>
@@ -1821,7 +1821,7 @@
           <p:cNvPr id="8" name="页脚占位符 7">
             <a:extLst>
               <a:ext uri="{FF2B5EF4-FFF2-40B4-BE49-F238E27FC236}">
-                <a16:creationId xmlns:a16="http://schemas.microsoft.com/office/drawing/2014/main" id="{F71359BB-F116-C640-F77D-FBEF9B360ABA}"/>
+                <a16:creationId xmlns:a16="http://schemas.microsoft.com/office/drawing/2014/main" id="{D1810785-B92D-D35C-0951-546383FB0373}"/>
               </a:ext>
             </a:extLst>
           </p:cNvPr>
@@ -1846,7 +1846,7 @@
           <p:cNvPr id="9" name="灯片编号占位符 8">
             <a:extLst>
               <a:ext uri="{FF2B5EF4-FFF2-40B4-BE49-F238E27FC236}">
-                <a16:creationId xmlns:a16="http://schemas.microsoft.com/office/drawing/2014/main" id="{3F7C97BC-03E2-95AA-BDCA-2A65397C08E8}"/>
+                <a16:creationId xmlns:a16="http://schemas.microsoft.com/office/drawing/2014/main" id="{149FAE62-9088-3CC6-80B2-27E80A2C67AA}"/>
               </a:ext>
             </a:extLst>
           </p:cNvPr>
@@ -1862,7 +1862,7 @@
           <a:bodyPr/>
           <a:lstStyle/>
           <a:p>
-            <a:fld id="{CC2899AF-EFE3-481A-B852-925F758CC5AA}" type="slidenum">
+            <a:fld id="{5E588050-2BE0-43AF-95BC-D1077849EE47}" type="slidenum">
               <a:rPr lang="zh-CN" altLang="en-US" smtClean="0"/>
               <a:t>‹#›</a:t>
             </a:fld>
@@ -1873,7 +1873,7 @@
     </p:spTree>
     <p:extLst>
       <p:ext uri="{BB962C8B-B14F-4D97-AF65-F5344CB8AC3E}">
-        <p14:creationId xmlns:p14="http://schemas.microsoft.com/office/powerpoint/2010/main" val="4178363482"/>
+        <p14:creationId xmlns:p14="http://schemas.microsoft.com/office/powerpoint/2010/main" val="34780573"/>
       </p:ext>
     </p:extLst>
   </p:cSld>
@@ -1905,7 +1905,7 @@
           <p:cNvPr id="2" name="标题 1">
             <a:extLst>
               <a:ext uri="{FF2B5EF4-FFF2-40B4-BE49-F238E27FC236}">
-                <a16:creationId xmlns:a16="http://schemas.microsoft.com/office/drawing/2014/main" id="{4DC5CE49-6F8B-99C4-B1B6-711D602B9C0A}"/>
+                <a16:creationId xmlns:a16="http://schemas.microsoft.com/office/drawing/2014/main" id="{5CBC1E7C-24D1-678D-5D4A-1C06EC460388}"/>
               </a:ext>
             </a:extLst>
           </p:cNvPr>
@@ -1933,7 +1933,7 @@
           <p:cNvPr id="3" name="日期占位符 2">
             <a:extLst>
               <a:ext uri="{FF2B5EF4-FFF2-40B4-BE49-F238E27FC236}">
-                <a16:creationId xmlns:a16="http://schemas.microsoft.com/office/drawing/2014/main" id="{B20157D9-95A6-4839-E634-6E609EE28E5F}"/>
+                <a16:creationId xmlns:a16="http://schemas.microsoft.com/office/drawing/2014/main" id="{5F3EA48E-F01B-B11B-A796-10BDCB5E0415}"/>
               </a:ext>
             </a:extLst>
           </p:cNvPr>
@@ -1949,7 +1949,7 @@
           <a:bodyPr/>
           <a:lstStyle/>
           <a:p>
-            <a:fld id="{E4B04248-3C9C-40AE-BE8D-25F0D89501B1}" type="datetimeFigureOut">
+            <a:fld id="{F62E6B71-786E-495B-8CDF-5160944E0BD5}" type="datetimeFigureOut">
               <a:rPr lang="zh-CN" altLang="en-US" smtClean="0"/>
               <a:t>2024/3/10</a:t>
             </a:fld>
@@ -1962,7 +1962,7 @@
           <p:cNvPr id="4" name="页脚占位符 3">
             <a:extLst>
               <a:ext uri="{FF2B5EF4-FFF2-40B4-BE49-F238E27FC236}">
-                <a16:creationId xmlns:a16="http://schemas.microsoft.com/office/drawing/2014/main" id="{12F259F3-3D5D-27B9-DED4-2912D15FB4C9}"/>
+                <a16:creationId xmlns:a16="http://schemas.microsoft.com/office/drawing/2014/main" id="{0400DE7E-70D4-7E12-B7E7-F557EFF51770}"/>
               </a:ext>
             </a:extLst>
           </p:cNvPr>
@@ -1987,7 +1987,7 @@
           <p:cNvPr id="5" name="灯片编号占位符 4">
             <a:extLst>
               <a:ext uri="{FF2B5EF4-FFF2-40B4-BE49-F238E27FC236}">
-                <a16:creationId xmlns:a16="http://schemas.microsoft.com/office/drawing/2014/main" id="{0AB9D467-1AE5-A4FA-C9F1-ADC4FE849FA9}"/>
+                <a16:creationId xmlns:a16="http://schemas.microsoft.com/office/drawing/2014/main" id="{2991D645-0172-64A9-2C5D-5F3BFF9FF63E}"/>
               </a:ext>
             </a:extLst>
           </p:cNvPr>
@@ -2003,7 +2003,7 @@
           <a:bodyPr/>
           <a:lstStyle/>
           <a:p>
-            <a:fld id="{CC2899AF-EFE3-481A-B852-925F758CC5AA}" type="slidenum">
+            <a:fld id="{5E588050-2BE0-43AF-95BC-D1077849EE47}" type="slidenum">
               <a:rPr lang="zh-CN" altLang="en-US" smtClean="0"/>
               <a:t>‹#›</a:t>
             </a:fld>
@@ -2014,7 +2014,7 @@
     </p:spTree>
     <p:extLst>
       <p:ext uri="{BB962C8B-B14F-4D97-AF65-F5344CB8AC3E}">
-        <p14:creationId xmlns:p14="http://schemas.microsoft.com/office/powerpoint/2010/main" val="1676828005"/>
+        <p14:creationId xmlns:p14="http://schemas.microsoft.com/office/powerpoint/2010/main" val="3596675249"/>
       </p:ext>
     </p:extLst>
   </p:cSld>
@@ -2046,7 +2046,7 @@
           <p:cNvPr id="2" name="日期占位符 1">
             <a:extLst>
               <a:ext uri="{FF2B5EF4-FFF2-40B4-BE49-F238E27FC236}">
-                <a16:creationId xmlns:a16="http://schemas.microsoft.com/office/drawing/2014/main" id="{0C657F92-15F8-C93D-59A6-0764369A6650}"/>
+                <a16:creationId xmlns:a16="http://schemas.microsoft.com/office/drawing/2014/main" id="{31B7C623-1278-832C-A9F6-8A0E5A622CAA}"/>
               </a:ext>
             </a:extLst>
           </p:cNvPr>
@@ -2062,7 +2062,7 @@
           <a:bodyPr/>
           <a:lstStyle/>
           <a:p>
-            <a:fld id="{E4B04248-3C9C-40AE-BE8D-25F0D89501B1}" type="datetimeFigureOut">
+            <a:fld id="{F62E6B71-786E-495B-8CDF-5160944E0BD5}" type="datetimeFigureOut">
               <a:rPr lang="zh-CN" altLang="en-US" smtClean="0"/>
               <a:t>2024/3/10</a:t>
             </a:fld>
@@ -2075,7 +2075,7 @@
           <p:cNvPr id="3" name="页脚占位符 2">
             <a:extLst>
               <a:ext uri="{FF2B5EF4-FFF2-40B4-BE49-F238E27FC236}">
-                <a16:creationId xmlns:a16="http://schemas.microsoft.com/office/drawing/2014/main" id="{444E202E-BD9E-64C7-899F-BFC25FBC71AA}"/>
+                <a16:creationId xmlns:a16="http://schemas.microsoft.com/office/drawing/2014/main" id="{F0AA7AC4-DF05-BFCC-B77D-4FE7ECE1922C}"/>
               </a:ext>
             </a:extLst>
           </p:cNvPr>
@@ -2100,7 +2100,7 @@
           <p:cNvPr id="4" name="灯片编号占位符 3">
             <a:extLst>
               <a:ext uri="{FF2B5EF4-FFF2-40B4-BE49-F238E27FC236}">
-                <a16:creationId xmlns:a16="http://schemas.microsoft.com/office/drawing/2014/main" id="{95A94F2A-3802-3B6E-5D58-22803ED31CC1}"/>
+                <a16:creationId xmlns:a16="http://schemas.microsoft.com/office/drawing/2014/main" id="{1E0ADD2F-24DD-1B81-0166-F8F029B88F38}"/>
               </a:ext>
             </a:extLst>
           </p:cNvPr>
@@ -2116,7 +2116,7 @@
           <a:bodyPr/>
           <a:lstStyle/>
           <a:p>
-            <a:fld id="{CC2899AF-EFE3-481A-B852-925F758CC5AA}" type="slidenum">
+            <a:fld id="{5E588050-2BE0-43AF-95BC-D1077849EE47}" type="slidenum">
               <a:rPr lang="zh-CN" altLang="en-US" smtClean="0"/>
               <a:t>‹#›</a:t>
             </a:fld>
@@ -2127,7 +2127,7 @@
     </p:spTree>
     <p:extLst>
       <p:ext uri="{BB962C8B-B14F-4D97-AF65-F5344CB8AC3E}">
-        <p14:creationId xmlns:p14="http://schemas.microsoft.com/office/powerpoint/2010/main" val="2964072595"/>
+        <p14:creationId xmlns:p14="http://schemas.microsoft.com/office/powerpoint/2010/main" val="2362447888"/>
       </p:ext>
     </p:extLst>
   </p:cSld>
@@ -2159,7 +2159,7 @@
           <p:cNvPr id="2" name="标题 1">
             <a:extLst>
               <a:ext uri="{FF2B5EF4-FFF2-40B4-BE49-F238E27FC236}">
-                <a16:creationId xmlns:a16="http://schemas.microsoft.com/office/drawing/2014/main" id="{B49A8401-B5C8-F6FA-ADC3-D0EDB00C16B5}"/>
+                <a16:creationId xmlns:a16="http://schemas.microsoft.com/office/drawing/2014/main" id="{61BC616B-5373-1762-A478-5732E226B783}"/>
               </a:ext>
             </a:extLst>
           </p:cNvPr>
@@ -2196,7 +2196,7 @@
           <p:cNvPr id="3" name="内容占位符 2">
             <a:extLst>
               <a:ext uri="{FF2B5EF4-FFF2-40B4-BE49-F238E27FC236}">
-                <a16:creationId xmlns:a16="http://schemas.microsoft.com/office/drawing/2014/main" id="{5FA415D4-3E12-235F-D24D-EFC0B0D32071}"/>
+                <a16:creationId xmlns:a16="http://schemas.microsoft.com/office/drawing/2014/main" id="{24344824-18BD-07FF-4B30-0D3BB0CB4A91}"/>
               </a:ext>
             </a:extLst>
           </p:cNvPr>
@@ -2286,7 +2286,7 @@
           <p:cNvPr id="4" name="文本占位符 3">
             <a:extLst>
               <a:ext uri="{FF2B5EF4-FFF2-40B4-BE49-F238E27FC236}">
-                <a16:creationId xmlns:a16="http://schemas.microsoft.com/office/drawing/2014/main" id="{A0FE3427-8917-9F21-E593-F9FF5ECB2888}"/>
+                <a16:creationId xmlns:a16="http://schemas.microsoft.com/office/drawing/2014/main" id="{1B4321AB-8A74-80FE-BD33-F5FB9D862620}"/>
               </a:ext>
             </a:extLst>
           </p:cNvPr>
@@ -2357,7 +2357,7 @@
           <p:cNvPr id="5" name="日期占位符 4">
             <a:extLst>
               <a:ext uri="{FF2B5EF4-FFF2-40B4-BE49-F238E27FC236}">
-                <a16:creationId xmlns:a16="http://schemas.microsoft.com/office/drawing/2014/main" id="{E64CA066-A551-7652-2213-07C029EF15FC}"/>
+                <a16:creationId xmlns:a16="http://schemas.microsoft.com/office/drawing/2014/main" id="{07D51DDA-733D-9C36-7D73-CAB3504F8255}"/>
               </a:ext>
             </a:extLst>
           </p:cNvPr>
@@ -2373,7 +2373,7 @@
           <a:bodyPr/>
           <a:lstStyle/>
           <a:p>
-            <a:fld id="{E4B04248-3C9C-40AE-BE8D-25F0D89501B1}" type="datetimeFigureOut">
+            <a:fld id="{F62E6B71-786E-495B-8CDF-5160944E0BD5}" type="datetimeFigureOut">
               <a:rPr lang="zh-CN" altLang="en-US" smtClean="0"/>
               <a:t>2024/3/10</a:t>
             </a:fld>
@@ -2386,7 +2386,7 @@
           <p:cNvPr id="6" name="页脚占位符 5">
             <a:extLst>
               <a:ext uri="{FF2B5EF4-FFF2-40B4-BE49-F238E27FC236}">
-                <a16:creationId xmlns:a16="http://schemas.microsoft.com/office/drawing/2014/main" id="{E2DED0E2-C295-3867-1F07-D2655832E42D}"/>
+                <a16:creationId xmlns:a16="http://schemas.microsoft.com/office/drawing/2014/main" id="{91049B28-39E7-A50E-8BC1-3B4B71F6CDFC}"/>
               </a:ext>
             </a:extLst>
           </p:cNvPr>
@@ -2411,7 +2411,7 @@
           <p:cNvPr id="7" name="灯片编号占位符 6">
             <a:extLst>
               <a:ext uri="{FF2B5EF4-FFF2-40B4-BE49-F238E27FC236}">
-                <a16:creationId xmlns:a16="http://schemas.microsoft.com/office/drawing/2014/main" id="{5A5EAE44-57A5-EC47-A8C7-913C8990F6A0}"/>
+                <a16:creationId xmlns:a16="http://schemas.microsoft.com/office/drawing/2014/main" id="{FC031925-C013-6444-929E-183CA9DC2155}"/>
               </a:ext>
             </a:extLst>
           </p:cNvPr>
@@ -2427,7 +2427,7 @@
           <a:bodyPr/>
           <a:lstStyle/>
           <a:p>
-            <a:fld id="{CC2899AF-EFE3-481A-B852-925F758CC5AA}" type="slidenum">
+            <a:fld id="{5E588050-2BE0-43AF-95BC-D1077849EE47}" type="slidenum">
               <a:rPr lang="zh-CN" altLang="en-US" smtClean="0"/>
               <a:t>‹#›</a:t>
             </a:fld>
@@ -2438,7 +2438,7 @@
     </p:spTree>
     <p:extLst>
       <p:ext uri="{BB962C8B-B14F-4D97-AF65-F5344CB8AC3E}">
-        <p14:creationId xmlns:p14="http://schemas.microsoft.com/office/powerpoint/2010/main" val="1649853797"/>
+        <p14:creationId xmlns:p14="http://schemas.microsoft.com/office/powerpoint/2010/main" val="767617040"/>
       </p:ext>
     </p:extLst>
   </p:cSld>
@@ -2470,7 +2470,7 @@
           <p:cNvPr id="2" name="标题 1">
             <a:extLst>
               <a:ext uri="{FF2B5EF4-FFF2-40B4-BE49-F238E27FC236}">
-                <a16:creationId xmlns:a16="http://schemas.microsoft.com/office/drawing/2014/main" id="{5180D3DA-3C2E-E7B6-C2F2-1DC94A42B39B}"/>
+                <a16:creationId xmlns:a16="http://schemas.microsoft.com/office/drawing/2014/main" id="{375914B6-7166-DDBE-9C95-501B5BBC6C65}"/>
               </a:ext>
             </a:extLst>
           </p:cNvPr>
@@ -2507,7 +2507,7 @@
           <p:cNvPr id="3" name="图片占位符 2">
             <a:extLst>
               <a:ext uri="{FF2B5EF4-FFF2-40B4-BE49-F238E27FC236}">
-                <a16:creationId xmlns:a16="http://schemas.microsoft.com/office/drawing/2014/main" id="{A944DB13-865E-7305-17B9-57B32EBE4287}"/>
+                <a16:creationId xmlns:a16="http://schemas.microsoft.com/office/drawing/2014/main" id="{8E917F7F-9036-21A7-5C91-27278F685479}"/>
               </a:ext>
             </a:extLst>
           </p:cNvPr>
@@ -2574,7 +2574,7 @@
           <p:cNvPr id="4" name="文本占位符 3">
             <a:extLst>
               <a:ext uri="{FF2B5EF4-FFF2-40B4-BE49-F238E27FC236}">
-                <a16:creationId xmlns:a16="http://schemas.microsoft.com/office/drawing/2014/main" id="{D43BD526-6FF8-FB96-942E-65B7327FF591}"/>
+                <a16:creationId xmlns:a16="http://schemas.microsoft.com/office/drawing/2014/main" id="{CEF41543-0FDA-A989-07DB-CE290E739758}"/>
               </a:ext>
             </a:extLst>
           </p:cNvPr>
@@ -2645,7 +2645,7 @@
           <p:cNvPr id="5" name="日期占位符 4">
             <a:extLst>
               <a:ext uri="{FF2B5EF4-FFF2-40B4-BE49-F238E27FC236}">
-                <a16:creationId xmlns:a16="http://schemas.microsoft.com/office/drawing/2014/main" id="{9777990C-34AF-B19C-F66D-153A194499D0}"/>
+                <a16:creationId xmlns:a16="http://schemas.microsoft.com/office/drawing/2014/main" id="{328C54CC-968A-DAEA-E490-BE288BD8E5F8}"/>
               </a:ext>
             </a:extLst>
           </p:cNvPr>
@@ -2661,7 +2661,7 @@
           <a:bodyPr/>
           <a:lstStyle/>
           <a:p>
-            <a:fld id="{E4B04248-3C9C-40AE-BE8D-25F0D89501B1}" type="datetimeFigureOut">
+            <a:fld id="{F62E6B71-786E-495B-8CDF-5160944E0BD5}" type="datetimeFigureOut">
               <a:rPr lang="zh-CN" altLang="en-US" smtClean="0"/>
               <a:t>2024/3/10</a:t>
             </a:fld>
@@ -2674,7 +2674,7 @@
           <p:cNvPr id="6" name="页脚占位符 5">
             <a:extLst>
               <a:ext uri="{FF2B5EF4-FFF2-40B4-BE49-F238E27FC236}">
-                <a16:creationId xmlns:a16="http://schemas.microsoft.com/office/drawing/2014/main" id="{F3990112-96DB-88B5-ED4E-DCEEEBC590FC}"/>
+                <a16:creationId xmlns:a16="http://schemas.microsoft.com/office/drawing/2014/main" id="{4E8A0D41-1984-7A44-4686-97757F5DE0AF}"/>
               </a:ext>
             </a:extLst>
           </p:cNvPr>
@@ -2699,7 +2699,7 @@
           <p:cNvPr id="7" name="灯片编号占位符 6">
             <a:extLst>
               <a:ext uri="{FF2B5EF4-FFF2-40B4-BE49-F238E27FC236}">
-                <a16:creationId xmlns:a16="http://schemas.microsoft.com/office/drawing/2014/main" id="{E59516FF-6EEA-A63A-EFE9-E3CD646D038B}"/>
+                <a16:creationId xmlns:a16="http://schemas.microsoft.com/office/drawing/2014/main" id="{25808266-8AFF-98AC-188F-7FA165EB8369}"/>
               </a:ext>
             </a:extLst>
           </p:cNvPr>
@@ -2715,7 +2715,7 @@
           <a:bodyPr/>
           <a:lstStyle/>
           <a:p>
-            <a:fld id="{CC2899AF-EFE3-481A-B852-925F758CC5AA}" type="slidenum">
+            <a:fld id="{5E588050-2BE0-43AF-95BC-D1077849EE47}" type="slidenum">
               <a:rPr lang="zh-CN" altLang="en-US" smtClean="0"/>
               <a:t>‹#›</a:t>
             </a:fld>
@@ -2726,7 +2726,7 @@
     </p:spTree>
     <p:extLst>
       <p:ext uri="{BB962C8B-B14F-4D97-AF65-F5344CB8AC3E}">
-        <p14:creationId xmlns:p14="http://schemas.microsoft.com/office/powerpoint/2010/main" val="3229322465"/>
+        <p14:creationId xmlns:p14="http://schemas.microsoft.com/office/powerpoint/2010/main" val="2247235530"/>
       </p:ext>
     </p:extLst>
   </p:cSld>
@@ -2763,7 +2763,7 @@
           <p:cNvPr id="2" name="标题占位符 1">
             <a:extLst>
               <a:ext uri="{FF2B5EF4-FFF2-40B4-BE49-F238E27FC236}">
-                <a16:creationId xmlns:a16="http://schemas.microsoft.com/office/drawing/2014/main" id="{428A275F-079A-253C-992C-377942919FD3}"/>
+                <a16:creationId xmlns:a16="http://schemas.microsoft.com/office/drawing/2014/main" id="{90EE9094-9AC0-BB41-7EE7-A6920006ABA7}"/>
               </a:ext>
             </a:extLst>
           </p:cNvPr>
@@ -2801,7 +2801,7 @@
           <p:cNvPr id="3" name="文本占位符 2">
             <a:extLst>
               <a:ext uri="{FF2B5EF4-FFF2-40B4-BE49-F238E27FC236}">
-                <a16:creationId xmlns:a16="http://schemas.microsoft.com/office/drawing/2014/main" id="{0FF0F925-55EC-F84B-6296-95192015A633}"/>
+                <a16:creationId xmlns:a16="http://schemas.microsoft.com/office/drawing/2014/main" id="{0FDF4B3E-80B0-BF81-78A4-244296EA1E30}"/>
               </a:ext>
             </a:extLst>
           </p:cNvPr>
@@ -2868,7 +2868,7 @@
           <p:cNvPr id="4" name="日期占位符 3">
             <a:extLst>
               <a:ext uri="{FF2B5EF4-FFF2-40B4-BE49-F238E27FC236}">
-                <a16:creationId xmlns:a16="http://schemas.microsoft.com/office/drawing/2014/main" id="{DDB9CFB0-E153-7824-CB2C-F7EA5E59CB76}"/>
+                <a16:creationId xmlns:a16="http://schemas.microsoft.com/office/drawing/2014/main" id="{B7CC3D8E-0B7D-3568-7068-8B76A3D1E24F}"/>
               </a:ext>
             </a:extLst>
           </p:cNvPr>
@@ -2902,7 +2902,7 @@
             </a:lvl1pPr>
           </a:lstStyle>
           <a:p>
-            <a:fld id="{E4B04248-3C9C-40AE-BE8D-25F0D89501B1}" type="datetimeFigureOut">
+            <a:fld id="{F62E6B71-786E-495B-8CDF-5160944E0BD5}" type="datetimeFigureOut">
               <a:rPr lang="zh-CN" altLang="en-US" smtClean="0"/>
               <a:t>2024/3/10</a:t>
             </a:fld>
@@ -2915,7 +2915,7 @@
           <p:cNvPr id="5" name="页脚占位符 4">
             <a:extLst>
               <a:ext uri="{FF2B5EF4-FFF2-40B4-BE49-F238E27FC236}">
-                <a16:creationId xmlns:a16="http://schemas.microsoft.com/office/drawing/2014/main" id="{91914E31-8119-2BE2-5021-8BC190FEA624}"/>
+                <a16:creationId xmlns:a16="http://schemas.microsoft.com/office/drawing/2014/main" id="{6CBA0274-64F4-1DAD-1FDC-66C624DAC480}"/>
               </a:ext>
             </a:extLst>
           </p:cNvPr>
@@ -2958,7 +2958,7 @@
           <p:cNvPr id="6" name="灯片编号占位符 5">
             <a:extLst>
               <a:ext uri="{FF2B5EF4-FFF2-40B4-BE49-F238E27FC236}">
-                <a16:creationId xmlns:a16="http://schemas.microsoft.com/office/drawing/2014/main" id="{AFFB13C7-D35F-E326-0E5C-043AAF83F327}"/>
+                <a16:creationId xmlns:a16="http://schemas.microsoft.com/office/drawing/2014/main" id="{CAF32C1F-05F5-2105-0532-9A5C44BE87BA}"/>
               </a:ext>
             </a:extLst>
           </p:cNvPr>
@@ -2992,7 +2992,7 @@
             </a:lvl1pPr>
           </a:lstStyle>
           <a:p>
-            <a:fld id="{CC2899AF-EFE3-481A-B852-925F758CC5AA}" type="slidenum">
+            <a:fld id="{5E588050-2BE0-43AF-95BC-D1077849EE47}" type="slidenum">
               <a:rPr lang="zh-CN" altLang="en-US" smtClean="0"/>
               <a:t>‹#›</a:t>
             </a:fld>
@@ -3003,7 +3003,7 @@
     </p:spTree>
     <p:extLst>
       <p:ext uri="{BB962C8B-B14F-4D97-AF65-F5344CB8AC3E}">
-        <p14:creationId xmlns:p14="http://schemas.microsoft.com/office/powerpoint/2010/main" val="2082509676"/>
+        <p14:creationId xmlns:p14="http://schemas.microsoft.com/office/powerpoint/2010/main" val="1518365133"/>
       </p:ext>
     </p:extLst>
   </p:cSld>
